--- a/A_Semester/Eidika_Themata_Texnologias_Logismikou/5_Web_Systems_v2.pptx
+++ b/A_Semester/Eidika_Themata_Texnologias_Logismikou/5_Web_Systems_v2.pptx
@@ -223,6 +223,186 @@
 
 <file path=ppt/changesInfos/changesInfo1.xml><?xml version="1.0" encoding="utf-8"?>
 <pc:chgInfo xmlns:a="http://schemas.openxmlformats.org/drawingml/2006/main" xmlns:r="http://schemas.openxmlformats.org/officeDocument/2006/relationships" xmlns:ac="http://schemas.microsoft.com/office/drawing/2013/main/command" xmlns:pc="http://schemas.microsoft.com/office/powerpoint/2013/main/command">
+  <pc:docChgLst>
+    <pc:chgData name="Prezerakos Georgios" userId="ea548587-b3cc-4d35-8e15-7608a7cc4b92" providerId="ADAL" clId="{A69993CC-0151-43F7-807E-32C1348E0B81}"/>
+    <pc:docChg chg="custSel addSld delSld modSld">
+      <pc:chgData name="Prezerakos Georgios" userId="ea548587-b3cc-4d35-8e15-7608a7cc4b92" providerId="ADAL" clId="{A69993CC-0151-43F7-807E-32C1348E0B81}" dt="2019-12-24T11:30:25.766" v="61" actId="2696"/>
+      <pc:docMkLst>
+        <pc:docMk/>
+      </pc:docMkLst>
+      <pc:sldChg chg="del">
+        <pc:chgData name="Prezerakos Georgios" userId="ea548587-b3cc-4d35-8e15-7608a7cc4b92" providerId="ADAL" clId="{A69993CC-0151-43F7-807E-32C1348E0B81}" dt="2019-12-24T11:30:25.746" v="57" actId="2696"/>
+        <pc:sldMkLst>
+          <pc:docMk/>
+          <pc:sldMk cId="3195518818" sldId="388"/>
+        </pc:sldMkLst>
+      </pc:sldChg>
+      <pc:sldChg chg="del">
+        <pc:chgData name="Prezerakos Georgios" userId="ea548587-b3cc-4d35-8e15-7608a7cc4b92" providerId="ADAL" clId="{A69993CC-0151-43F7-807E-32C1348E0B81}" dt="2019-12-24T11:30:25.760" v="58" actId="2696"/>
+        <pc:sldMkLst>
+          <pc:docMk/>
+          <pc:sldMk cId="3263124097" sldId="389"/>
+        </pc:sldMkLst>
+      </pc:sldChg>
+      <pc:sldChg chg="del">
+        <pc:chgData name="Prezerakos Georgios" userId="ea548587-b3cc-4d35-8e15-7608a7cc4b92" providerId="ADAL" clId="{A69993CC-0151-43F7-807E-32C1348E0B81}" dt="2019-12-24T11:30:25.762" v="59" actId="2696"/>
+        <pc:sldMkLst>
+          <pc:docMk/>
+          <pc:sldMk cId="503596208" sldId="390"/>
+        </pc:sldMkLst>
+      </pc:sldChg>
+      <pc:sldChg chg="del">
+        <pc:chgData name="Prezerakos Georgios" userId="ea548587-b3cc-4d35-8e15-7608a7cc4b92" providerId="ADAL" clId="{A69993CC-0151-43F7-807E-32C1348E0B81}" dt="2019-12-24T11:30:25.764" v="60" actId="2696"/>
+        <pc:sldMkLst>
+          <pc:docMk/>
+          <pc:sldMk cId="3751306845" sldId="391"/>
+        </pc:sldMkLst>
+      </pc:sldChg>
+      <pc:sldChg chg="del">
+        <pc:chgData name="Prezerakos Georgios" userId="ea548587-b3cc-4d35-8e15-7608a7cc4b92" providerId="ADAL" clId="{A69993CC-0151-43F7-807E-32C1348E0B81}" dt="2019-12-24T11:30:25.766" v="61" actId="2696"/>
+        <pc:sldMkLst>
+          <pc:docMk/>
+          <pc:sldMk cId="3996042430" sldId="392"/>
+        </pc:sldMkLst>
+      </pc:sldChg>
+      <pc:sldChg chg="del">
+        <pc:chgData name="Prezerakos Georgios" userId="ea548587-b3cc-4d35-8e15-7608a7cc4b92" providerId="ADAL" clId="{A69993CC-0151-43F7-807E-32C1348E0B81}" dt="2019-12-24T11:30:25.711" v="43" actId="2696"/>
+        <pc:sldMkLst>
+          <pc:docMk/>
+          <pc:sldMk cId="0" sldId="397"/>
+        </pc:sldMkLst>
+      </pc:sldChg>
+      <pc:sldChg chg="del">
+        <pc:chgData name="Prezerakos Georgios" userId="ea548587-b3cc-4d35-8e15-7608a7cc4b92" providerId="ADAL" clId="{A69993CC-0151-43F7-807E-32C1348E0B81}" dt="2019-12-24T11:30:25.722" v="45" actId="2696"/>
+        <pc:sldMkLst>
+          <pc:docMk/>
+          <pc:sldMk cId="0" sldId="416"/>
+        </pc:sldMkLst>
+      </pc:sldChg>
+      <pc:sldChg chg="del">
+        <pc:chgData name="Prezerakos Georgios" userId="ea548587-b3cc-4d35-8e15-7608a7cc4b92" providerId="ADAL" clId="{A69993CC-0151-43F7-807E-32C1348E0B81}" dt="2019-12-24T11:30:25.724" v="46" actId="2696"/>
+        <pc:sldMkLst>
+          <pc:docMk/>
+          <pc:sldMk cId="0" sldId="417"/>
+        </pc:sldMkLst>
+      </pc:sldChg>
+      <pc:sldChg chg="del">
+        <pc:chgData name="Prezerakos Georgios" userId="ea548587-b3cc-4d35-8e15-7608a7cc4b92" providerId="ADAL" clId="{A69993CC-0151-43F7-807E-32C1348E0B81}" dt="2019-12-24T11:30:25.718" v="44" actId="2696"/>
+        <pc:sldMkLst>
+          <pc:docMk/>
+          <pc:sldMk cId="0" sldId="476"/>
+        </pc:sldMkLst>
+      </pc:sldChg>
+      <pc:sldChg chg="del">
+        <pc:chgData name="Prezerakos Georgios" userId="ea548587-b3cc-4d35-8e15-7608a7cc4b92" providerId="ADAL" clId="{A69993CC-0151-43F7-807E-32C1348E0B81}" dt="2019-12-24T11:30:25.727" v="47" actId="2696"/>
+        <pc:sldMkLst>
+          <pc:docMk/>
+          <pc:sldMk cId="0" sldId="477"/>
+        </pc:sldMkLst>
+      </pc:sldChg>
+      <pc:sldChg chg="del">
+        <pc:chgData name="Prezerakos Georgios" userId="ea548587-b3cc-4d35-8e15-7608a7cc4b92" providerId="ADAL" clId="{A69993CC-0151-43F7-807E-32C1348E0B81}" dt="2019-12-24T11:30:25.729" v="48" actId="2696"/>
+        <pc:sldMkLst>
+          <pc:docMk/>
+          <pc:sldMk cId="0" sldId="478"/>
+        </pc:sldMkLst>
+      </pc:sldChg>
+      <pc:sldChg chg="del">
+        <pc:chgData name="Prezerakos Georgios" userId="ea548587-b3cc-4d35-8e15-7608a7cc4b92" providerId="ADAL" clId="{A69993CC-0151-43F7-807E-32C1348E0B81}" dt="2019-12-24T11:30:25.734" v="51" actId="2696"/>
+        <pc:sldMkLst>
+          <pc:docMk/>
+          <pc:sldMk cId="0" sldId="479"/>
+        </pc:sldMkLst>
+      </pc:sldChg>
+      <pc:sldChg chg="del">
+        <pc:chgData name="Prezerakos Georgios" userId="ea548587-b3cc-4d35-8e15-7608a7cc4b92" providerId="ADAL" clId="{A69993CC-0151-43F7-807E-32C1348E0B81}" dt="2019-12-24T11:30:25.739" v="53" actId="2696"/>
+        <pc:sldMkLst>
+          <pc:docMk/>
+          <pc:sldMk cId="0" sldId="480"/>
+        </pc:sldMkLst>
+      </pc:sldChg>
+      <pc:sldChg chg="del">
+        <pc:chgData name="Prezerakos Georgios" userId="ea548587-b3cc-4d35-8e15-7608a7cc4b92" providerId="ADAL" clId="{A69993CC-0151-43F7-807E-32C1348E0B81}" dt="2019-12-24T11:30:25.743" v="55" actId="2696"/>
+        <pc:sldMkLst>
+          <pc:docMk/>
+          <pc:sldMk cId="0" sldId="481"/>
+        </pc:sldMkLst>
+      </pc:sldChg>
+      <pc:sldChg chg="del">
+        <pc:chgData name="Prezerakos Georgios" userId="ea548587-b3cc-4d35-8e15-7608a7cc4b92" providerId="ADAL" clId="{A69993CC-0151-43F7-807E-32C1348E0B81}" dt="2019-12-24T11:30:25.736" v="52" actId="2696"/>
+        <pc:sldMkLst>
+          <pc:docMk/>
+          <pc:sldMk cId="728337853" sldId="488"/>
+        </pc:sldMkLst>
+      </pc:sldChg>
+      <pc:sldChg chg="del">
+        <pc:chgData name="Prezerakos Georgios" userId="ea548587-b3cc-4d35-8e15-7608a7cc4b92" providerId="ADAL" clId="{A69993CC-0151-43F7-807E-32C1348E0B81}" dt="2019-12-24T11:30:25.741" v="54" actId="2696"/>
+        <pc:sldMkLst>
+          <pc:docMk/>
+          <pc:sldMk cId="13645411" sldId="489"/>
+        </pc:sldMkLst>
+      </pc:sldChg>
+      <pc:sldChg chg="del">
+        <pc:chgData name="Prezerakos Georgios" userId="ea548587-b3cc-4d35-8e15-7608a7cc4b92" providerId="ADAL" clId="{A69993CC-0151-43F7-807E-32C1348E0B81}" dt="2019-12-24T11:30:25.744" v="56" actId="2696"/>
+        <pc:sldMkLst>
+          <pc:docMk/>
+          <pc:sldMk cId="216879425" sldId="490"/>
+        </pc:sldMkLst>
+      </pc:sldChg>
+      <pc:sldChg chg="del">
+        <pc:chgData name="Prezerakos Georgios" userId="ea548587-b3cc-4d35-8e15-7608a7cc4b92" providerId="ADAL" clId="{A69993CC-0151-43F7-807E-32C1348E0B81}" dt="2019-12-24T11:30:25.702" v="42" actId="2696"/>
+        <pc:sldMkLst>
+          <pc:docMk/>
+          <pc:sldMk cId="1983601025" sldId="493"/>
+        </pc:sldMkLst>
+      </pc:sldChg>
+      <pc:sldChg chg="del">
+        <pc:chgData name="Prezerakos Georgios" userId="ea548587-b3cc-4d35-8e15-7608a7cc4b92" providerId="ADAL" clId="{A69993CC-0151-43F7-807E-32C1348E0B81}" dt="2019-12-24T11:30:25.732" v="50" actId="2696"/>
+        <pc:sldMkLst>
+          <pc:docMk/>
+          <pc:sldMk cId="424834244" sldId="494"/>
+        </pc:sldMkLst>
+      </pc:sldChg>
+      <pc:sldChg chg="del">
+        <pc:chgData name="Prezerakos Georgios" userId="ea548587-b3cc-4d35-8e15-7608a7cc4b92" providerId="ADAL" clId="{A69993CC-0151-43F7-807E-32C1348E0B81}" dt="2019-12-24T11:30:25.731" v="49" actId="2696"/>
+        <pc:sldMkLst>
+          <pc:docMk/>
+          <pc:sldMk cId="1315428058" sldId="495"/>
+        </pc:sldMkLst>
+      </pc:sldChg>
+      <pc:sldChg chg="addSp delSp modSp add">
+        <pc:chgData name="Prezerakos Georgios" userId="ea548587-b3cc-4d35-8e15-7608a7cc4b92" providerId="ADAL" clId="{A69993CC-0151-43F7-807E-32C1348E0B81}" dt="2019-12-24T11:30:14.632" v="41" actId="1076"/>
+        <pc:sldMkLst>
+          <pc:docMk/>
+          <pc:sldMk cId="1767009609" sldId="496"/>
+        </pc:sldMkLst>
+        <pc:spChg chg="mod">
+          <ac:chgData name="Prezerakos Georgios" userId="ea548587-b3cc-4d35-8e15-7608a7cc4b92" providerId="ADAL" clId="{A69993CC-0151-43F7-807E-32C1348E0B81}" dt="2019-12-24T11:29:32.751" v="1"/>
+          <ac:spMkLst>
+            <pc:docMk/>
+            <pc:sldMk cId="1767009609" sldId="496"/>
+            <ac:spMk id="2" creationId="{E02FE094-39F6-4A09-8B7D-D5EB96F91C03}"/>
+          </ac:spMkLst>
+        </pc:spChg>
+        <pc:spChg chg="del">
+          <ac:chgData name="Prezerakos Georgios" userId="ea548587-b3cc-4d35-8e15-7608a7cc4b92" providerId="ADAL" clId="{A69993CC-0151-43F7-807E-32C1348E0B81}" dt="2019-12-24T11:29:35.075" v="2" actId="478"/>
+          <ac:spMkLst>
+            <pc:docMk/>
+            <pc:sldMk cId="1767009609" sldId="496"/>
+            <ac:spMk id="3" creationId="{8EC44C09-253B-473F-8747-DFB28009206C}"/>
+          </ac:spMkLst>
+        </pc:spChg>
+        <pc:spChg chg="add mod">
+          <ac:chgData name="Prezerakos Georgios" userId="ea548587-b3cc-4d35-8e15-7608a7cc4b92" providerId="ADAL" clId="{A69993CC-0151-43F7-807E-32C1348E0B81}" dt="2019-12-24T11:30:14.632" v="41" actId="1076"/>
+          <ac:spMkLst>
+            <pc:docMk/>
+            <pc:sldMk cId="1767009609" sldId="496"/>
+            <ac:spMk id="4" creationId="{B807CB89-F2F9-470B-9109-4F179F181669}"/>
+          </ac:spMkLst>
+        </pc:spChg>
+      </pc:sldChg>
+    </pc:docChg>
+  </pc:docChgLst>
   <pc:docChgLst>
     <pc:chgData name="Prezerakos Georgios" userId="ea548587-b3cc-4d35-8e15-7608a7cc4b92" providerId="ADAL" clId="{B1A753E0-9052-4C95-B571-120226C81F94}"/>
     <pc:docChg chg="undo custSel addSld delSld modSld sldOrd">
@@ -909,186 +1089,6 @@
             <ac:picMk id="4" creationId="{F00FAE57-DD3F-4D72-B27A-EC589D522DB7}"/>
           </ac:picMkLst>
         </pc:picChg>
-      </pc:sldChg>
-    </pc:docChg>
-  </pc:docChgLst>
-  <pc:docChgLst>
-    <pc:chgData name="Prezerakos Georgios" userId="ea548587-b3cc-4d35-8e15-7608a7cc4b92" providerId="ADAL" clId="{A69993CC-0151-43F7-807E-32C1348E0B81}"/>
-    <pc:docChg chg="custSel addSld delSld modSld">
-      <pc:chgData name="Prezerakos Georgios" userId="ea548587-b3cc-4d35-8e15-7608a7cc4b92" providerId="ADAL" clId="{A69993CC-0151-43F7-807E-32C1348E0B81}" dt="2019-12-24T11:30:25.766" v="61" actId="2696"/>
-      <pc:docMkLst>
-        <pc:docMk/>
-      </pc:docMkLst>
-      <pc:sldChg chg="del">
-        <pc:chgData name="Prezerakos Georgios" userId="ea548587-b3cc-4d35-8e15-7608a7cc4b92" providerId="ADAL" clId="{A69993CC-0151-43F7-807E-32C1348E0B81}" dt="2019-12-24T11:30:25.746" v="57" actId="2696"/>
-        <pc:sldMkLst>
-          <pc:docMk/>
-          <pc:sldMk cId="3195518818" sldId="388"/>
-        </pc:sldMkLst>
-      </pc:sldChg>
-      <pc:sldChg chg="del">
-        <pc:chgData name="Prezerakos Georgios" userId="ea548587-b3cc-4d35-8e15-7608a7cc4b92" providerId="ADAL" clId="{A69993CC-0151-43F7-807E-32C1348E0B81}" dt="2019-12-24T11:30:25.760" v="58" actId="2696"/>
-        <pc:sldMkLst>
-          <pc:docMk/>
-          <pc:sldMk cId="3263124097" sldId="389"/>
-        </pc:sldMkLst>
-      </pc:sldChg>
-      <pc:sldChg chg="del">
-        <pc:chgData name="Prezerakos Georgios" userId="ea548587-b3cc-4d35-8e15-7608a7cc4b92" providerId="ADAL" clId="{A69993CC-0151-43F7-807E-32C1348E0B81}" dt="2019-12-24T11:30:25.762" v="59" actId="2696"/>
-        <pc:sldMkLst>
-          <pc:docMk/>
-          <pc:sldMk cId="503596208" sldId="390"/>
-        </pc:sldMkLst>
-      </pc:sldChg>
-      <pc:sldChg chg="del">
-        <pc:chgData name="Prezerakos Georgios" userId="ea548587-b3cc-4d35-8e15-7608a7cc4b92" providerId="ADAL" clId="{A69993CC-0151-43F7-807E-32C1348E0B81}" dt="2019-12-24T11:30:25.764" v="60" actId="2696"/>
-        <pc:sldMkLst>
-          <pc:docMk/>
-          <pc:sldMk cId="3751306845" sldId="391"/>
-        </pc:sldMkLst>
-      </pc:sldChg>
-      <pc:sldChg chg="del">
-        <pc:chgData name="Prezerakos Georgios" userId="ea548587-b3cc-4d35-8e15-7608a7cc4b92" providerId="ADAL" clId="{A69993CC-0151-43F7-807E-32C1348E0B81}" dt="2019-12-24T11:30:25.766" v="61" actId="2696"/>
-        <pc:sldMkLst>
-          <pc:docMk/>
-          <pc:sldMk cId="3996042430" sldId="392"/>
-        </pc:sldMkLst>
-      </pc:sldChg>
-      <pc:sldChg chg="del">
-        <pc:chgData name="Prezerakos Georgios" userId="ea548587-b3cc-4d35-8e15-7608a7cc4b92" providerId="ADAL" clId="{A69993CC-0151-43F7-807E-32C1348E0B81}" dt="2019-12-24T11:30:25.711" v="43" actId="2696"/>
-        <pc:sldMkLst>
-          <pc:docMk/>
-          <pc:sldMk cId="0" sldId="397"/>
-        </pc:sldMkLst>
-      </pc:sldChg>
-      <pc:sldChg chg="del">
-        <pc:chgData name="Prezerakos Georgios" userId="ea548587-b3cc-4d35-8e15-7608a7cc4b92" providerId="ADAL" clId="{A69993CC-0151-43F7-807E-32C1348E0B81}" dt="2019-12-24T11:30:25.722" v="45" actId="2696"/>
-        <pc:sldMkLst>
-          <pc:docMk/>
-          <pc:sldMk cId="0" sldId="416"/>
-        </pc:sldMkLst>
-      </pc:sldChg>
-      <pc:sldChg chg="del">
-        <pc:chgData name="Prezerakos Georgios" userId="ea548587-b3cc-4d35-8e15-7608a7cc4b92" providerId="ADAL" clId="{A69993CC-0151-43F7-807E-32C1348E0B81}" dt="2019-12-24T11:30:25.724" v="46" actId="2696"/>
-        <pc:sldMkLst>
-          <pc:docMk/>
-          <pc:sldMk cId="0" sldId="417"/>
-        </pc:sldMkLst>
-      </pc:sldChg>
-      <pc:sldChg chg="del">
-        <pc:chgData name="Prezerakos Georgios" userId="ea548587-b3cc-4d35-8e15-7608a7cc4b92" providerId="ADAL" clId="{A69993CC-0151-43F7-807E-32C1348E0B81}" dt="2019-12-24T11:30:25.718" v="44" actId="2696"/>
-        <pc:sldMkLst>
-          <pc:docMk/>
-          <pc:sldMk cId="0" sldId="476"/>
-        </pc:sldMkLst>
-      </pc:sldChg>
-      <pc:sldChg chg="del">
-        <pc:chgData name="Prezerakos Georgios" userId="ea548587-b3cc-4d35-8e15-7608a7cc4b92" providerId="ADAL" clId="{A69993CC-0151-43F7-807E-32C1348E0B81}" dt="2019-12-24T11:30:25.727" v="47" actId="2696"/>
-        <pc:sldMkLst>
-          <pc:docMk/>
-          <pc:sldMk cId="0" sldId="477"/>
-        </pc:sldMkLst>
-      </pc:sldChg>
-      <pc:sldChg chg="del">
-        <pc:chgData name="Prezerakos Georgios" userId="ea548587-b3cc-4d35-8e15-7608a7cc4b92" providerId="ADAL" clId="{A69993CC-0151-43F7-807E-32C1348E0B81}" dt="2019-12-24T11:30:25.729" v="48" actId="2696"/>
-        <pc:sldMkLst>
-          <pc:docMk/>
-          <pc:sldMk cId="0" sldId="478"/>
-        </pc:sldMkLst>
-      </pc:sldChg>
-      <pc:sldChg chg="del">
-        <pc:chgData name="Prezerakos Georgios" userId="ea548587-b3cc-4d35-8e15-7608a7cc4b92" providerId="ADAL" clId="{A69993CC-0151-43F7-807E-32C1348E0B81}" dt="2019-12-24T11:30:25.734" v="51" actId="2696"/>
-        <pc:sldMkLst>
-          <pc:docMk/>
-          <pc:sldMk cId="0" sldId="479"/>
-        </pc:sldMkLst>
-      </pc:sldChg>
-      <pc:sldChg chg="del">
-        <pc:chgData name="Prezerakos Georgios" userId="ea548587-b3cc-4d35-8e15-7608a7cc4b92" providerId="ADAL" clId="{A69993CC-0151-43F7-807E-32C1348E0B81}" dt="2019-12-24T11:30:25.739" v="53" actId="2696"/>
-        <pc:sldMkLst>
-          <pc:docMk/>
-          <pc:sldMk cId="0" sldId="480"/>
-        </pc:sldMkLst>
-      </pc:sldChg>
-      <pc:sldChg chg="del">
-        <pc:chgData name="Prezerakos Georgios" userId="ea548587-b3cc-4d35-8e15-7608a7cc4b92" providerId="ADAL" clId="{A69993CC-0151-43F7-807E-32C1348E0B81}" dt="2019-12-24T11:30:25.743" v="55" actId="2696"/>
-        <pc:sldMkLst>
-          <pc:docMk/>
-          <pc:sldMk cId="0" sldId="481"/>
-        </pc:sldMkLst>
-      </pc:sldChg>
-      <pc:sldChg chg="del">
-        <pc:chgData name="Prezerakos Georgios" userId="ea548587-b3cc-4d35-8e15-7608a7cc4b92" providerId="ADAL" clId="{A69993CC-0151-43F7-807E-32C1348E0B81}" dt="2019-12-24T11:30:25.736" v="52" actId="2696"/>
-        <pc:sldMkLst>
-          <pc:docMk/>
-          <pc:sldMk cId="728337853" sldId="488"/>
-        </pc:sldMkLst>
-      </pc:sldChg>
-      <pc:sldChg chg="del">
-        <pc:chgData name="Prezerakos Georgios" userId="ea548587-b3cc-4d35-8e15-7608a7cc4b92" providerId="ADAL" clId="{A69993CC-0151-43F7-807E-32C1348E0B81}" dt="2019-12-24T11:30:25.741" v="54" actId="2696"/>
-        <pc:sldMkLst>
-          <pc:docMk/>
-          <pc:sldMk cId="13645411" sldId="489"/>
-        </pc:sldMkLst>
-      </pc:sldChg>
-      <pc:sldChg chg="del">
-        <pc:chgData name="Prezerakos Georgios" userId="ea548587-b3cc-4d35-8e15-7608a7cc4b92" providerId="ADAL" clId="{A69993CC-0151-43F7-807E-32C1348E0B81}" dt="2019-12-24T11:30:25.744" v="56" actId="2696"/>
-        <pc:sldMkLst>
-          <pc:docMk/>
-          <pc:sldMk cId="216879425" sldId="490"/>
-        </pc:sldMkLst>
-      </pc:sldChg>
-      <pc:sldChg chg="del">
-        <pc:chgData name="Prezerakos Georgios" userId="ea548587-b3cc-4d35-8e15-7608a7cc4b92" providerId="ADAL" clId="{A69993CC-0151-43F7-807E-32C1348E0B81}" dt="2019-12-24T11:30:25.702" v="42" actId="2696"/>
-        <pc:sldMkLst>
-          <pc:docMk/>
-          <pc:sldMk cId="1983601025" sldId="493"/>
-        </pc:sldMkLst>
-      </pc:sldChg>
-      <pc:sldChg chg="del">
-        <pc:chgData name="Prezerakos Georgios" userId="ea548587-b3cc-4d35-8e15-7608a7cc4b92" providerId="ADAL" clId="{A69993CC-0151-43F7-807E-32C1348E0B81}" dt="2019-12-24T11:30:25.732" v="50" actId="2696"/>
-        <pc:sldMkLst>
-          <pc:docMk/>
-          <pc:sldMk cId="424834244" sldId="494"/>
-        </pc:sldMkLst>
-      </pc:sldChg>
-      <pc:sldChg chg="del">
-        <pc:chgData name="Prezerakos Georgios" userId="ea548587-b3cc-4d35-8e15-7608a7cc4b92" providerId="ADAL" clId="{A69993CC-0151-43F7-807E-32C1348E0B81}" dt="2019-12-24T11:30:25.731" v="49" actId="2696"/>
-        <pc:sldMkLst>
-          <pc:docMk/>
-          <pc:sldMk cId="1315428058" sldId="495"/>
-        </pc:sldMkLst>
-      </pc:sldChg>
-      <pc:sldChg chg="addSp delSp modSp add">
-        <pc:chgData name="Prezerakos Georgios" userId="ea548587-b3cc-4d35-8e15-7608a7cc4b92" providerId="ADAL" clId="{A69993CC-0151-43F7-807E-32C1348E0B81}" dt="2019-12-24T11:30:14.632" v="41" actId="1076"/>
-        <pc:sldMkLst>
-          <pc:docMk/>
-          <pc:sldMk cId="1767009609" sldId="496"/>
-        </pc:sldMkLst>
-        <pc:spChg chg="mod">
-          <ac:chgData name="Prezerakos Georgios" userId="ea548587-b3cc-4d35-8e15-7608a7cc4b92" providerId="ADAL" clId="{A69993CC-0151-43F7-807E-32C1348E0B81}" dt="2019-12-24T11:29:32.751" v="1"/>
-          <ac:spMkLst>
-            <pc:docMk/>
-            <pc:sldMk cId="1767009609" sldId="496"/>
-            <ac:spMk id="2" creationId="{E02FE094-39F6-4A09-8B7D-D5EB96F91C03}"/>
-          </ac:spMkLst>
-        </pc:spChg>
-        <pc:spChg chg="del">
-          <ac:chgData name="Prezerakos Georgios" userId="ea548587-b3cc-4d35-8e15-7608a7cc4b92" providerId="ADAL" clId="{A69993CC-0151-43F7-807E-32C1348E0B81}" dt="2019-12-24T11:29:35.075" v="2" actId="478"/>
-          <ac:spMkLst>
-            <pc:docMk/>
-            <pc:sldMk cId="1767009609" sldId="496"/>
-            <ac:spMk id="3" creationId="{8EC44C09-253B-473F-8747-DFB28009206C}"/>
-          </ac:spMkLst>
-        </pc:spChg>
-        <pc:spChg chg="add mod">
-          <ac:chgData name="Prezerakos Georgios" userId="ea548587-b3cc-4d35-8e15-7608a7cc4b92" providerId="ADAL" clId="{A69993CC-0151-43F7-807E-32C1348E0B81}" dt="2019-12-24T11:30:14.632" v="41" actId="1076"/>
-          <ac:spMkLst>
-            <pc:docMk/>
-            <pc:sldMk cId="1767009609" sldId="496"/>
-            <ac:spMk id="4" creationId="{B807CB89-F2F9-470B-9109-4F179F181669}"/>
-          </ac:spMkLst>
-        </pc:spChg>
       </pc:sldChg>
     </pc:docChg>
   </pc:docChgLst>
